--- a/docs/images/userguideimages/Powerpoints/User Guide Ui-Labelled.pptx
+++ b/docs/images/userguideimages/Powerpoints/User Guide Ui-Labelled.pptx
@@ -262,7 +262,7 @@
           <a:p>
             <a:fld id="{FB4689D7-AAEA-4A03-BD8E-229258DDF9B0}" type="datetimeFigureOut">
               <a:rPr lang="en-SG" smtClean="0"/>
-              <a:t>7/11/2020</a:t>
+              <a:t>8/11/2020</a:t>
             </a:fld>
             <a:endParaRPr lang="en-SG"/>
           </a:p>
@@ -462,7 +462,7 @@
           <a:p>
             <a:fld id="{FB4689D7-AAEA-4A03-BD8E-229258DDF9B0}" type="datetimeFigureOut">
               <a:rPr lang="en-SG" smtClean="0"/>
-              <a:t>7/11/2020</a:t>
+              <a:t>8/11/2020</a:t>
             </a:fld>
             <a:endParaRPr lang="en-SG"/>
           </a:p>
@@ -672,7 +672,7 @@
           <a:p>
             <a:fld id="{FB4689D7-AAEA-4A03-BD8E-229258DDF9B0}" type="datetimeFigureOut">
               <a:rPr lang="en-SG" smtClean="0"/>
-              <a:t>7/11/2020</a:t>
+              <a:t>8/11/2020</a:t>
             </a:fld>
             <a:endParaRPr lang="en-SG"/>
           </a:p>
@@ -872,7 +872,7 @@
           <a:p>
             <a:fld id="{FB4689D7-AAEA-4A03-BD8E-229258DDF9B0}" type="datetimeFigureOut">
               <a:rPr lang="en-SG" smtClean="0"/>
-              <a:t>7/11/2020</a:t>
+              <a:t>8/11/2020</a:t>
             </a:fld>
             <a:endParaRPr lang="en-SG"/>
           </a:p>
@@ -1148,7 +1148,7 @@
           <a:p>
             <a:fld id="{FB4689D7-AAEA-4A03-BD8E-229258DDF9B0}" type="datetimeFigureOut">
               <a:rPr lang="en-SG" smtClean="0"/>
-              <a:t>7/11/2020</a:t>
+              <a:t>8/11/2020</a:t>
             </a:fld>
             <a:endParaRPr lang="en-SG"/>
           </a:p>
@@ -1416,7 +1416,7 @@
           <a:p>
             <a:fld id="{FB4689D7-AAEA-4A03-BD8E-229258DDF9B0}" type="datetimeFigureOut">
               <a:rPr lang="en-SG" smtClean="0"/>
-              <a:t>7/11/2020</a:t>
+              <a:t>8/11/2020</a:t>
             </a:fld>
             <a:endParaRPr lang="en-SG"/>
           </a:p>
@@ -1831,7 +1831,7 @@
           <a:p>
             <a:fld id="{FB4689D7-AAEA-4A03-BD8E-229258DDF9B0}" type="datetimeFigureOut">
               <a:rPr lang="en-SG" smtClean="0"/>
-              <a:t>7/11/2020</a:t>
+              <a:t>8/11/2020</a:t>
             </a:fld>
             <a:endParaRPr lang="en-SG"/>
           </a:p>
@@ -1973,7 +1973,7 @@
           <a:p>
             <a:fld id="{FB4689D7-AAEA-4A03-BD8E-229258DDF9B0}" type="datetimeFigureOut">
               <a:rPr lang="en-SG" smtClean="0"/>
-              <a:t>7/11/2020</a:t>
+              <a:t>8/11/2020</a:t>
             </a:fld>
             <a:endParaRPr lang="en-SG"/>
           </a:p>
@@ -2086,7 +2086,7 @@
           <a:p>
             <a:fld id="{FB4689D7-AAEA-4A03-BD8E-229258DDF9B0}" type="datetimeFigureOut">
               <a:rPr lang="en-SG" smtClean="0"/>
-              <a:t>7/11/2020</a:t>
+              <a:t>8/11/2020</a:t>
             </a:fld>
             <a:endParaRPr lang="en-SG"/>
           </a:p>
@@ -2399,7 +2399,7 @@
           <a:p>
             <a:fld id="{FB4689D7-AAEA-4A03-BD8E-229258DDF9B0}" type="datetimeFigureOut">
               <a:rPr lang="en-SG" smtClean="0"/>
-              <a:t>7/11/2020</a:t>
+              <a:t>8/11/2020</a:t>
             </a:fld>
             <a:endParaRPr lang="en-SG"/>
           </a:p>
@@ -2688,7 +2688,7 @@
           <a:p>
             <a:fld id="{FB4689D7-AAEA-4A03-BD8E-229258DDF9B0}" type="datetimeFigureOut">
               <a:rPr lang="en-SG" smtClean="0"/>
-              <a:t>7/11/2020</a:t>
+              <a:t>8/11/2020</a:t>
             </a:fld>
             <a:endParaRPr lang="en-SG"/>
           </a:p>
@@ -2931,7 +2931,7 @@
           <a:p>
             <a:fld id="{FB4689D7-AAEA-4A03-BD8E-229258DDF9B0}" type="datetimeFigureOut">
               <a:rPr lang="en-SG" smtClean="0"/>
-              <a:t>7/11/2020</a:t>
+              <a:t>8/11/2020</a:t>
             </a:fld>
             <a:endParaRPr lang="en-SG"/>
           </a:p>
@@ -3765,7 +3765,7 @@
                     <a:srgbClr val="FF0000"/>
                   </a:solidFill>
                 </a:rPr>
-                <a:t>Itinerary Panel</a:t>
+                <a:t>Itineraries Panel</a:t>
               </a:r>
             </a:p>
           </p:txBody>
